--- a/Presentations/2024-08-15 Beamline Update.pptx
+++ b/Presentations/2024-08-15 Beamline Update.pptx
@@ -14497,10 +14497,9 @@
 </file>
 
 <file path=customXml/item2.xml><?xml version="1.0" encoding="utf-8"?>
-<ct:contentTypeSchema xmlns:ct="http://schemas.microsoft.com/office/2006/metadata/contentType" xmlns:ma="http://schemas.microsoft.com/office/2006/metadata/properties/metaAttributes" ct:_="" ma:_="" ma:contentTypeName="Document" ma:contentTypeID="0x010100601697B2E34CD24EB590DB9F906B1C6E" ma:contentTypeVersion="10" ma:contentTypeDescription="Create a new document." ma:contentTypeScope="" ma:versionID="8ae3208ac6320abaf5de205423a36a70">
-  <xsd:schema xmlns:xsd="http://www.w3.org/2001/XMLSchema" xmlns:xs="http://www.w3.org/2001/XMLSchema" xmlns:p="http://schemas.microsoft.com/office/2006/metadata/properties" xmlns:ns2="bbf677ce-3023-46f9-b6c2-a96cc90cd511" xmlns:ns3="c63c4c16-9c6c-42d3-a9e8-e8d0f13dd038" targetNamespace="http://schemas.microsoft.com/office/2006/metadata/properties" ma:root="true" ma:fieldsID="353f1fa7193d48b6cb4d7959ada418a9" ns2:_="" ns3:_="">
-    <xsd:import namespace="bbf677ce-3023-46f9-b6c2-a96cc90cd511"/>
-    <xsd:import namespace="c63c4c16-9c6c-42d3-a9e8-e8d0f13dd038"/>
+<ct:contentTypeSchema xmlns:ct="http://schemas.microsoft.com/office/2006/metadata/contentType" xmlns:ma="http://schemas.microsoft.com/office/2006/metadata/properties/metaAttributes" ct:_="" ma:_="" ma:contentTypeName="Document" ma:contentTypeID="0x010100A7B50B9D4A52504CB68612BC7168266C" ma:contentTypeVersion="11" ma:contentTypeDescription="Create a new document." ma:contentTypeScope="" ma:versionID="17c7df11b73ff404ae5b6d22968cef86">
+  <xsd:schema xmlns:xsd="http://www.w3.org/2001/XMLSchema" xmlns:xs="http://www.w3.org/2001/XMLSchema" xmlns:p="http://schemas.microsoft.com/office/2006/metadata/properties" xmlns:ns2="6ba5a664-5dd6-4fdf-b043-f33615f77f68" targetNamespace="http://schemas.microsoft.com/office/2006/metadata/properties" ma:root="true" ma:fieldsID="03e0a535271e97d5d0146fd34e5dc00d" ns2:_="">
+    <xsd:import namespace="6ba5a664-5dd6-4fdf-b043-f33615f77f68"/>
     <xsd:element name="properties">
       <xsd:complexType>
         <xsd:sequence>
@@ -14509,14 +14508,15 @@
               <xsd:all>
                 <xsd:element ref="ns2:MediaServiceMetadata" minOccurs="0"/>
                 <xsd:element ref="ns2:MediaServiceFastMetadata" minOccurs="0"/>
+                <xsd:element ref="ns2:MediaServiceDateTaken" minOccurs="0"/>
                 <xsd:element ref="ns2:MediaServiceAutoTags" minOccurs="0"/>
-                <xsd:element ref="ns2:MediaServiceOCR" minOccurs="0"/>
+                <xsd:element ref="ns2:MediaServiceLocation" minOccurs="0"/>
                 <xsd:element ref="ns2:MediaServiceGenerationTime" minOccurs="0"/>
                 <xsd:element ref="ns2:MediaServiceEventHashCode" minOccurs="0"/>
-                <xsd:element ref="ns2:MediaServiceDateTaken" minOccurs="0"/>
-                <xsd:element ref="ns3:SharedWithUsers" minOccurs="0"/>
-                <xsd:element ref="ns3:SharedWithDetails" minOccurs="0"/>
-                <xsd:element ref="ns2:MediaLengthInSeconds" minOccurs="0"/>
+                <xsd:element ref="ns2:MediaServiceAutoKeyPoints" minOccurs="0"/>
+                <xsd:element ref="ns2:MediaServiceKeyPoints" minOccurs="0"/>
+                <xsd:element ref="ns2:MediaServiceSearchProperties" minOccurs="0"/>
+                <xsd:element ref="ns2:MediaServiceObjectDetectorVersions" minOccurs="0"/>
               </xsd:all>
             </xsd:complexType>
           </xsd:element>
@@ -14524,7 +14524,7 @@
       </xsd:complexType>
     </xsd:element>
   </xsd:schema>
-  <xsd:schema xmlns:xsd="http://www.w3.org/2001/XMLSchema" xmlns:xs="http://www.w3.org/2001/XMLSchema" xmlns:dms="http://schemas.microsoft.com/office/2006/documentManagement/types" xmlns:pc="http://schemas.microsoft.com/office/infopath/2007/PartnerControls" targetNamespace="bbf677ce-3023-46f9-b6c2-a96cc90cd511" elementFormDefault="qualified">
+  <xsd:schema xmlns:xsd="http://www.w3.org/2001/XMLSchema" xmlns:xs="http://www.w3.org/2001/XMLSchema" xmlns:dms="http://schemas.microsoft.com/office/2006/documentManagement/types" xmlns:pc="http://schemas.microsoft.com/office/infopath/2007/PartnerControls" targetNamespace="6ba5a664-5dd6-4fdf-b043-f33615f77f68" elementFormDefault="qualified">
     <xsd:import namespace="http://schemas.microsoft.com/office/2006/documentManagement/types"/>
     <xsd:import namespace="http://schemas.microsoft.com/office/infopath/2007/PartnerControls"/>
     <xsd:element name="MediaServiceMetadata" ma:index="8" nillable="true" ma:displayName="MediaServiceMetadata" ma:hidden="true" ma:internalName="MediaServiceMetadata" ma:readOnly="true">
@@ -14537,66 +14537,51 @@
         <xsd:restriction base="dms:Note"/>
       </xsd:simpleType>
     </xsd:element>
-    <xsd:element name="MediaServiceAutoTags" ma:index="10" nillable="true" ma:displayName="Tags" ma:internalName="MediaServiceAutoTags" ma:readOnly="true">
+    <xsd:element name="MediaServiceDateTaken" ma:index="10" nillable="true" ma:displayName="MediaServiceDateTaken" ma:hidden="true" ma:internalName="MediaServiceDateTaken" ma:readOnly="true">
       <xsd:simpleType>
         <xsd:restriction base="dms:Text"/>
       </xsd:simpleType>
     </xsd:element>
-    <xsd:element name="MediaServiceOCR" ma:index="11" nillable="true" ma:displayName="Extracted Text" ma:internalName="MediaServiceOCR" ma:readOnly="true">
+    <xsd:element name="MediaServiceAutoTags" ma:index="11" nillable="true" ma:displayName="Tags" ma:internalName="MediaServiceAutoTags" ma:readOnly="true">
+      <xsd:simpleType>
+        <xsd:restriction base="dms:Text"/>
+      </xsd:simpleType>
+    </xsd:element>
+    <xsd:element name="MediaServiceLocation" ma:index="12" nillable="true" ma:displayName="Location" ma:internalName="MediaServiceLocation" ma:readOnly="true">
+      <xsd:simpleType>
+        <xsd:restriction base="dms:Text"/>
+      </xsd:simpleType>
+    </xsd:element>
+    <xsd:element name="MediaServiceGenerationTime" ma:index="13" nillable="true" ma:displayName="MediaServiceGenerationTime" ma:hidden="true" ma:internalName="MediaServiceGenerationTime" ma:readOnly="true">
+      <xsd:simpleType>
+        <xsd:restriction base="dms:Text"/>
+      </xsd:simpleType>
+    </xsd:element>
+    <xsd:element name="MediaServiceEventHashCode" ma:index="14" nillable="true" ma:displayName="MediaServiceEventHashCode" ma:hidden="true" ma:internalName="MediaServiceEventHashCode" ma:readOnly="true">
+      <xsd:simpleType>
+        <xsd:restriction base="dms:Text"/>
+      </xsd:simpleType>
+    </xsd:element>
+    <xsd:element name="MediaServiceAutoKeyPoints" ma:index="15" nillable="true" ma:displayName="MediaServiceAutoKeyPoints" ma:hidden="true" ma:internalName="MediaServiceAutoKeyPoints" ma:readOnly="true">
+      <xsd:simpleType>
+        <xsd:restriction base="dms:Note"/>
+      </xsd:simpleType>
+    </xsd:element>
+    <xsd:element name="MediaServiceKeyPoints" ma:index="16" nillable="true" ma:displayName="KeyPoints" ma:internalName="MediaServiceKeyPoints" ma:readOnly="true">
       <xsd:simpleType>
         <xsd:restriction base="dms:Note">
           <xsd:maxLength value="255"/>
         </xsd:restriction>
       </xsd:simpleType>
     </xsd:element>
-    <xsd:element name="MediaServiceGenerationTime" ma:index="12" nillable="true" ma:displayName="MediaServiceGenerationTime" ma:hidden="true" ma:internalName="MediaServiceGenerationTime" ma:readOnly="true">
+    <xsd:element name="MediaServiceSearchProperties" ma:index="17" nillable="true" ma:displayName="MediaServiceSearchProperties" ma:hidden="true" ma:internalName="MediaServiceSearchProperties" ma:readOnly="true">
+      <xsd:simpleType>
+        <xsd:restriction base="dms:Note"/>
+      </xsd:simpleType>
+    </xsd:element>
+    <xsd:element name="MediaServiceObjectDetectorVersions" ma:index="18" nillable="true" ma:displayName="MediaServiceObjectDetectorVersions" ma:hidden="true" ma:indexed="true" ma:internalName="MediaServiceObjectDetectorVersions" ma:readOnly="true">
       <xsd:simpleType>
         <xsd:restriction base="dms:Text"/>
-      </xsd:simpleType>
-    </xsd:element>
-    <xsd:element name="MediaServiceEventHashCode" ma:index="13" nillable="true" ma:displayName="MediaServiceEventHashCode" ma:hidden="true" ma:internalName="MediaServiceEventHashCode" ma:readOnly="true">
-      <xsd:simpleType>
-        <xsd:restriction base="dms:Text"/>
-      </xsd:simpleType>
-    </xsd:element>
-    <xsd:element name="MediaServiceDateTaken" ma:index="14" nillable="true" ma:displayName="MediaServiceDateTaken" ma:hidden="true" ma:internalName="MediaServiceDateTaken" ma:readOnly="true">
-      <xsd:simpleType>
-        <xsd:restriction base="dms:Text"/>
-      </xsd:simpleType>
-    </xsd:element>
-    <xsd:element name="MediaLengthInSeconds" ma:index="17" nillable="true" ma:displayName="Length (seconds)" ma:internalName="MediaLengthInSeconds" ma:readOnly="true">
-      <xsd:simpleType>
-        <xsd:restriction base="dms:Unknown"/>
-      </xsd:simpleType>
-    </xsd:element>
-  </xsd:schema>
-  <xsd:schema xmlns:xsd="http://www.w3.org/2001/XMLSchema" xmlns:xs="http://www.w3.org/2001/XMLSchema" xmlns:dms="http://schemas.microsoft.com/office/2006/documentManagement/types" xmlns:pc="http://schemas.microsoft.com/office/infopath/2007/PartnerControls" targetNamespace="c63c4c16-9c6c-42d3-a9e8-e8d0f13dd038" elementFormDefault="qualified">
-    <xsd:import namespace="http://schemas.microsoft.com/office/2006/documentManagement/types"/>
-    <xsd:import namespace="http://schemas.microsoft.com/office/infopath/2007/PartnerControls"/>
-    <xsd:element name="SharedWithUsers" ma:index="15" nillable="true" ma:displayName="Shared With" ma:internalName="SharedWithUsers" ma:readOnly="true">
-      <xsd:complexType>
-        <xsd:complexContent>
-          <xsd:extension base="dms:UserMulti">
-            <xsd:sequence>
-              <xsd:element name="UserInfo" minOccurs="0" maxOccurs="unbounded">
-                <xsd:complexType>
-                  <xsd:sequence>
-                    <xsd:element name="DisplayName" type="xsd:string" minOccurs="0"/>
-                    <xsd:element name="AccountId" type="dms:UserId" minOccurs="0" nillable="true"/>
-                    <xsd:element name="AccountType" type="xsd:string" minOccurs="0"/>
-                  </xsd:sequence>
-                </xsd:complexType>
-              </xsd:element>
-            </xsd:sequence>
-          </xsd:extension>
-        </xsd:complexContent>
-      </xsd:complexType>
-    </xsd:element>
-    <xsd:element name="SharedWithDetails" ma:index="16" nillable="true" ma:displayName="Shared With Details" ma:internalName="SharedWithDetails" ma:readOnly="true">
-      <xsd:simpleType>
-        <xsd:restriction base="dms:Note">
-          <xsd:maxLength value="255"/>
-        </xsd:restriction>
       </xsd:simpleType>
     </xsd:element>
   </xsd:schema>
@@ -14714,22 +14699,7 @@
 </file>
 
 <file path=customXml/itemProps2.xml><?xml version="1.0" encoding="utf-8"?>
-<ds:datastoreItem xmlns:ds="http://schemas.openxmlformats.org/officeDocument/2006/customXml" ds:itemID="{834EC9B8-019A-42BD-9288-494EA5BFD14C}">
-  <ds:schemaRefs>
-    <ds:schemaRef ds:uri="http://schemas.microsoft.com/office/2006/metadata/contentType"/>
-    <ds:schemaRef ds:uri="http://schemas.microsoft.com/office/2006/metadata/properties/metaAttributes"/>
-    <ds:schemaRef ds:uri="http://www.w3.org/2001/XMLSchema"/>
-    <ds:schemaRef ds:uri="http://schemas.microsoft.com/office/2006/metadata/properties"/>
-    <ds:schemaRef ds:uri="bbf677ce-3023-46f9-b6c2-a96cc90cd511"/>
-    <ds:schemaRef ds:uri="c63c4c16-9c6c-42d3-a9e8-e8d0f13dd038"/>
-    <ds:schemaRef ds:uri="http://schemas.microsoft.com/office/2006/documentManagement/types"/>
-    <ds:schemaRef ds:uri="http://schemas.microsoft.com/office/infopath/2007/PartnerControls"/>
-    <ds:schemaRef ds:uri="http://schemas.openxmlformats.org/package/2006/metadata/core-properties"/>
-    <ds:schemaRef ds:uri="http://purl.org/dc/elements/1.1/"/>
-    <ds:schemaRef ds:uri="http://purl.org/dc/terms/"/>
-    <ds:schemaRef ds:uri="http://schemas.microsoft.com/internal/obd"/>
-  </ds:schemaRefs>
-</ds:datastoreItem>
+<ds:datastoreItem xmlns:ds="http://schemas.openxmlformats.org/officeDocument/2006/customXml" ds:itemID="{85FEB735-08D0-4B20-8C89-A052D493BCBF}"/>
 </file>
 
 <file path=customXml/itemProps3.xml><?xml version="1.0" encoding="utf-8"?>
